--- a/projekt1_acs_kosa_toth.pptx
+++ b/projekt1_acs_kosa_toth.pptx
@@ -8,7 +8,8 @@
     <p:sldId id="256" r:id="rId2"/>
     <p:sldId id="257" r:id="rId3"/>
     <p:sldId id="258" r:id="rId4"/>
-    <p:sldId id="259" r:id="rId5"/>
+    <p:sldId id="260" r:id="rId5"/>
+    <p:sldId id="259" r:id="rId6"/>
   </p:sldIdLst>
   <p:sldSz cx="12192000" cy="6858000"/>
   <p:notesSz cx="6858000" cy="9144000"/>
@@ -3809,7 +3810,7 @@
                 <a:latin typeface="Arial" panose="020B0604020202020204" pitchFamily="34" charset="0"/>
                 <a:cs typeface="Arial" panose="020B0604020202020204" pitchFamily="34" charset="0"/>
               </a:rPr>
-              <a:t>Oldal színeinek tudatos megválasztása (neon színek)ű</a:t>
+              <a:t>Oldal színeinek tudatos megválasztása (neon színek)</a:t>
             </a:r>
           </a:p>
           <a:p>
@@ -3833,25 +3834,20 @@
                 <a:latin typeface="Arial" panose="020B0604020202020204" pitchFamily="34" charset="0"/>
                 <a:cs typeface="Arial" panose="020B0604020202020204" pitchFamily="34" charset="0"/>
               </a:rPr>
-              <a:t>Az oldalak összes elemének </a:t>
-            </a:r>
-            <a:r>
-              <a:rPr lang="hu-HU" b="1">
+              <a:t>Az oldalak összes elem reszponzív</a:t>
+            </a:r>
+          </a:p>
+          <a:p>
+            <a:r>
+              <a:rPr lang="hu-HU" b="1" dirty="0">
                 <a:solidFill>
                   <a:srgbClr val="81529B"/>
                 </a:solidFill>
                 <a:latin typeface="Arial" panose="020B0604020202020204" pitchFamily="34" charset="0"/>
                 <a:cs typeface="Arial" panose="020B0604020202020204" pitchFamily="34" charset="0"/>
               </a:rPr>
-              <a:t>reszponzívvá tétele</a:t>
-            </a:r>
-            <a:endParaRPr lang="hu-HU" b="1" dirty="0">
-              <a:solidFill>
-                <a:srgbClr val="81529B"/>
-              </a:solidFill>
-              <a:latin typeface="Arial" panose="020B0604020202020204" pitchFamily="34" charset="0"/>
-              <a:cs typeface="Arial" panose="020B0604020202020204" pitchFamily="34" charset="0"/>
-            </a:endParaRPr>
+              <a:t>További animációk az oldalon</a:t>
+            </a:r>
           </a:p>
         </p:txBody>
       </p:sp>
@@ -3898,6 +3894,195 @@
               </a:rPr>
               <a:t>Oldalak felépítése</a:t>
             </a:r>
+          </a:p>
+        </p:txBody>
+      </p:sp>
+      <p:sp>
+        <p:nvSpPr>
+          <p:cNvPr id="7" name="Körcikk 6">
+            <a:extLst>
+              <a:ext uri="{FF2B5EF4-FFF2-40B4-BE49-F238E27FC236}">
+                <a16:creationId xmlns:a16="http://schemas.microsoft.com/office/drawing/2014/main" id="{8E14276A-7798-E09D-CB67-7DCD4C7C1464}"/>
+              </a:ext>
+            </a:extLst>
+          </p:cNvPr>
+          <p:cNvSpPr/>
+          <p:nvPr/>
+        </p:nvSpPr>
+        <p:spPr>
+          <a:xfrm>
+            <a:off x="10870405" y="3933822"/>
+            <a:ext cx="390525" cy="390525"/>
+          </a:xfrm>
+          <a:prstGeom prst="pie">
+            <a:avLst/>
+          </a:prstGeom>
+          <a:solidFill>
+            <a:srgbClr val="81529B"/>
+          </a:solidFill>
+          <a:ln>
+            <a:noFill/>
+          </a:ln>
+          <a:effectLst>
+            <a:outerShdw blurRad="88900" dist="50800" dir="5400000" algn="ctr" rotWithShape="0">
+              <a:srgbClr val="81529B">
+                <a:alpha val="73000"/>
+              </a:srgbClr>
+            </a:outerShdw>
+          </a:effectLst>
+        </p:spPr>
+        <p:style>
+          <a:lnRef idx="2">
+            <a:schemeClr val="accent1">
+              <a:shade val="50000"/>
+            </a:schemeClr>
+          </a:lnRef>
+          <a:fillRef idx="1">
+            <a:schemeClr val="accent1"/>
+          </a:fillRef>
+          <a:effectRef idx="0">
+            <a:schemeClr val="accent1"/>
+          </a:effectRef>
+          <a:fontRef idx="minor">
+            <a:schemeClr val="lt1"/>
+          </a:fontRef>
+        </p:style>
+        <p:txBody>
+          <a:bodyPr rtlCol="0" anchor="ctr"/>
+          <a:lstStyle/>
+          <a:p>
+            <a:pPr algn="ctr"/>
+            <a:endParaRPr lang="hu-HU">
+              <a:solidFill>
+                <a:schemeClr val="tx1"/>
+              </a:solidFill>
+            </a:endParaRPr>
+          </a:p>
+        </p:txBody>
+      </p:sp>
+      <p:sp>
+        <p:nvSpPr>
+          <p:cNvPr id="8" name="Körcikk 7">
+            <a:extLst>
+              <a:ext uri="{FF2B5EF4-FFF2-40B4-BE49-F238E27FC236}">
+                <a16:creationId xmlns:a16="http://schemas.microsoft.com/office/drawing/2014/main" id="{734D7F99-1E00-B6C7-BC5A-3DC26B1684ED}"/>
+              </a:ext>
+            </a:extLst>
+          </p:cNvPr>
+          <p:cNvSpPr/>
+          <p:nvPr/>
+        </p:nvSpPr>
+        <p:spPr>
+          <a:xfrm>
+            <a:off x="10320337" y="3933823"/>
+            <a:ext cx="390525" cy="390525"/>
+          </a:xfrm>
+          <a:prstGeom prst="pie">
+            <a:avLst/>
+          </a:prstGeom>
+          <a:solidFill>
+            <a:schemeClr val="bg1"/>
+          </a:solidFill>
+          <a:ln>
+            <a:noFill/>
+          </a:ln>
+          <a:effectLst>
+            <a:outerShdw blurRad="88900" dist="50800" dir="5400000" algn="ctr" rotWithShape="0">
+              <a:schemeClr val="bg1">
+                <a:alpha val="60000"/>
+              </a:schemeClr>
+            </a:outerShdw>
+          </a:effectLst>
+        </p:spPr>
+        <p:style>
+          <a:lnRef idx="2">
+            <a:schemeClr val="accent1">
+              <a:shade val="50000"/>
+            </a:schemeClr>
+          </a:lnRef>
+          <a:fillRef idx="1">
+            <a:schemeClr val="accent1"/>
+          </a:fillRef>
+          <a:effectRef idx="0">
+            <a:schemeClr val="accent1"/>
+          </a:effectRef>
+          <a:fontRef idx="minor">
+            <a:schemeClr val="lt1"/>
+          </a:fontRef>
+        </p:style>
+        <p:txBody>
+          <a:bodyPr rtlCol="0" anchor="ctr"/>
+          <a:lstStyle/>
+          <a:p>
+            <a:pPr algn="ctr"/>
+            <a:endParaRPr lang="hu-HU">
+              <a:solidFill>
+                <a:schemeClr val="tx1"/>
+              </a:solidFill>
+            </a:endParaRPr>
+          </a:p>
+        </p:txBody>
+      </p:sp>
+      <p:sp>
+        <p:nvSpPr>
+          <p:cNvPr id="9" name="Körcikk 8">
+            <a:extLst>
+              <a:ext uri="{FF2B5EF4-FFF2-40B4-BE49-F238E27FC236}">
+                <a16:creationId xmlns:a16="http://schemas.microsoft.com/office/drawing/2014/main" id="{A0DFFABA-AD05-D680-1F96-E66595232884}"/>
+              </a:ext>
+            </a:extLst>
+          </p:cNvPr>
+          <p:cNvSpPr/>
+          <p:nvPr/>
+        </p:nvSpPr>
+        <p:spPr>
+          <a:xfrm>
+            <a:off x="11420473" y="3933821"/>
+            <a:ext cx="390525" cy="390525"/>
+          </a:xfrm>
+          <a:prstGeom prst="pie">
+            <a:avLst/>
+          </a:prstGeom>
+          <a:solidFill>
+            <a:srgbClr val="808080"/>
+          </a:solidFill>
+          <a:ln>
+            <a:noFill/>
+          </a:ln>
+          <a:effectLst>
+            <a:outerShdw blurRad="88900" dist="50800" dir="5400000" algn="ctr" rotWithShape="0">
+              <a:srgbClr val="808080">
+                <a:alpha val="60000"/>
+              </a:srgbClr>
+            </a:outerShdw>
+          </a:effectLst>
+        </p:spPr>
+        <p:style>
+          <a:lnRef idx="2">
+            <a:schemeClr val="accent1">
+              <a:shade val="50000"/>
+            </a:schemeClr>
+          </a:lnRef>
+          <a:fillRef idx="1">
+            <a:schemeClr val="accent1"/>
+          </a:fillRef>
+          <a:effectRef idx="0">
+            <a:schemeClr val="accent1"/>
+          </a:effectRef>
+          <a:fontRef idx="minor">
+            <a:schemeClr val="lt1"/>
+          </a:fontRef>
+        </p:style>
+        <p:txBody>
+          <a:bodyPr rtlCol="0" anchor="ctr"/>
+          <a:lstStyle/>
+          <a:p>
+            <a:pPr algn="ctr"/>
+            <a:endParaRPr lang="hu-HU">
+              <a:solidFill>
+                <a:schemeClr val="tx1"/>
+              </a:solidFill>
+            </a:endParaRPr>
           </a:p>
         </p:txBody>
       </p:sp>
@@ -3936,6 +4121,178 @@
           <p:cNvPr id="4" name="Cím 1">
             <a:extLst>
               <a:ext uri="{FF2B5EF4-FFF2-40B4-BE49-F238E27FC236}">
+                <a16:creationId xmlns:a16="http://schemas.microsoft.com/office/drawing/2014/main" id="{BE643BDB-4BCD-D41F-C712-74D7DD570A6B}"/>
+              </a:ext>
+            </a:extLst>
+          </p:cNvPr>
+          <p:cNvSpPr>
+            <a:spLocks noGrp="1"/>
+          </p:cNvSpPr>
+          <p:nvPr>
+            <p:ph type="title"/>
+          </p:nvPr>
+        </p:nvSpPr>
+        <p:spPr>
+          <a:xfrm>
+            <a:off x="838200" y="365125"/>
+            <a:ext cx="10515600" cy="1325563"/>
+          </a:xfrm>
+          <a:effectLst>
+            <a:outerShdw blurRad="254000" dist="50800" dir="5400000" algn="ctr" rotWithShape="0">
+              <a:schemeClr val="bg1">
+                <a:alpha val="39000"/>
+              </a:schemeClr>
+            </a:outerShdw>
+          </a:effectLst>
+        </p:spPr>
+        <p:txBody>
+          <a:bodyPr/>
+          <a:lstStyle/>
+          <a:p>
+            <a:r>
+              <a:rPr lang="hu-HU" b="1" dirty="0">
+                <a:solidFill>
+                  <a:srgbClr val="808080"/>
+                </a:solidFill>
+                <a:latin typeface="Arial" panose="020B0604020202020204" pitchFamily="34" charset="0"/>
+                <a:cs typeface="Arial" panose="020B0604020202020204" pitchFamily="34" charset="0"/>
+              </a:rPr>
+              <a:t>Fontos szempontok</a:t>
+            </a:r>
+          </a:p>
+        </p:txBody>
+      </p:sp>
+      <p:sp>
+        <p:nvSpPr>
+          <p:cNvPr id="5" name="Tartalom helye 2">
+            <a:extLst>
+              <a:ext uri="{FF2B5EF4-FFF2-40B4-BE49-F238E27FC236}">
+                <a16:creationId xmlns:a16="http://schemas.microsoft.com/office/drawing/2014/main" id="{A65EA1D9-B4D1-B57A-BC60-FFBC327D033F}"/>
+              </a:ext>
+            </a:extLst>
+          </p:cNvPr>
+          <p:cNvSpPr>
+            <a:spLocks noGrp="1"/>
+          </p:cNvSpPr>
+          <p:nvPr>
+            <p:ph idx="1"/>
+          </p:nvPr>
+        </p:nvSpPr>
+        <p:spPr>
+          <a:xfrm>
+            <a:off x="838200" y="1825625"/>
+            <a:ext cx="10515600" cy="4351338"/>
+          </a:xfrm>
+          <a:effectLst>
+            <a:outerShdw blurRad="139700" dist="50800" dir="4800000" algn="ctr" rotWithShape="0">
+              <a:srgbClr val="81529B">
+                <a:alpha val="96000"/>
+              </a:srgbClr>
+            </a:outerShdw>
+          </a:effectLst>
+        </p:spPr>
+        <p:txBody>
+          <a:bodyPr>
+            <a:normAutofit/>
+          </a:bodyPr>
+          <a:lstStyle/>
+          <a:p>
+            <a:r>
+              <a:rPr lang="hu-HU" b="1" dirty="0">
+                <a:solidFill>
+                  <a:srgbClr val="81529B"/>
+                </a:solidFill>
+                <a:latin typeface="Arial" panose="020B0604020202020204" pitchFamily="34" charset="0"/>
+                <a:cs typeface="Arial" panose="020B0604020202020204" pitchFamily="34" charset="0"/>
+              </a:rPr>
+              <a:t>Rövid, érthető szöveg</a:t>
+            </a:r>
+          </a:p>
+          <a:p>
+            <a:r>
+              <a:rPr lang="hu-HU" b="1" dirty="0">
+                <a:solidFill>
+                  <a:srgbClr val="81529B"/>
+                </a:solidFill>
+                <a:latin typeface="Arial" panose="020B0604020202020204" pitchFamily="34" charset="0"/>
+                <a:cs typeface="Arial" panose="020B0604020202020204" pitchFamily="34" charset="0"/>
+              </a:rPr>
+              <a:t>Szemléletes példák</a:t>
+            </a:r>
+          </a:p>
+          <a:p>
+            <a:r>
+              <a:rPr lang="hu-HU" b="1" dirty="0">
+                <a:solidFill>
+                  <a:srgbClr val="81529B"/>
+                </a:solidFill>
+                <a:latin typeface="Arial" panose="020B0604020202020204" pitchFamily="34" charset="0"/>
+                <a:cs typeface="Arial" panose="020B0604020202020204" pitchFamily="34" charset="0"/>
+              </a:rPr>
+              <a:t>Figyelem megtartása</a:t>
+            </a:r>
+          </a:p>
+          <a:p>
+            <a:r>
+              <a:rPr lang="hu-HU" b="1" dirty="0">
+                <a:solidFill>
+                  <a:srgbClr val="81529B"/>
+                </a:solidFill>
+                <a:latin typeface="Arial" panose="020B0604020202020204" pitchFamily="34" charset="0"/>
+                <a:cs typeface="Arial" panose="020B0604020202020204" pitchFamily="34" charset="0"/>
+              </a:rPr>
+              <a:t>Élénk színek</a:t>
+            </a:r>
+          </a:p>
+          <a:p>
+            <a:r>
+              <a:rPr lang="hu-HU" b="1" dirty="0">
+                <a:solidFill>
+                  <a:srgbClr val="81529B"/>
+                </a:solidFill>
+                <a:latin typeface="Arial" panose="020B0604020202020204" pitchFamily="34" charset="0"/>
+                <a:cs typeface="Arial" panose="020B0604020202020204" pitchFamily="34" charset="0"/>
+              </a:rPr>
+              <a:t>Tartalmi elemek tudatos elhelyezése (pl. menü a felső sávban)</a:t>
+            </a:r>
+          </a:p>
+        </p:txBody>
+      </p:sp>
+    </p:spTree>
+    <p:extLst>
+      <p:ext uri="{BB962C8B-B14F-4D97-AF65-F5344CB8AC3E}">
+        <p14:creationId xmlns:p14="http://schemas.microsoft.com/office/powerpoint/2010/main" val="1286672998"/>
+      </p:ext>
+    </p:extLst>
+  </p:cSld>
+  <p:clrMapOvr>
+    <a:masterClrMapping/>
+  </p:clrMapOvr>
+</p:sld>
+</file>
+
+<file path=ppt/slides/slide5.xml><?xml version="1.0" encoding="utf-8"?>
+<p:sld xmlns:a="http://schemas.openxmlformats.org/drawingml/2006/main" xmlns:r="http://schemas.openxmlformats.org/officeDocument/2006/relationships" xmlns:p="http://schemas.openxmlformats.org/presentationml/2006/main">
+  <p:cSld>
+    <p:spTree>
+      <p:nvGrpSpPr>
+        <p:cNvPr id="1" name=""/>
+        <p:cNvGrpSpPr/>
+        <p:nvPr/>
+      </p:nvGrpSpPr>
+      <p:grpSpPr>
+        <a:xfrm>
+          <a:off x="0" y="0"/>
+          <a:ext cx="0" cy="0"/>
+          <a:chOff x="0" y="0"/>
+          <a:chExt cx="0" cy="0"/>
+        </a:xfrm>
+      </p:grpSpPr>
+      <p:sp>
+        <p:nvSpPr>
+          <p:cNvPr id="4" name="Cím 1">
+            <a:extLst>
+              <a:ext uri="{FF2B5EF4-FFF2-40B4-BE49-F238E27FC236}">
                 <a16:creationId xmlns:a16="http://schemas.microsoft.com/office/drawing/2014/main" id="{CAC89B9C-CA1E-D254-4FB2-45F4FD112F60}"/>
               </a:ext>
             </a:extLst>
@@ -4020,7 +4377,7 @@
         </p:nvSpPr>
         <p:spPr>
           <a:xfrm>
-            <a:off x="542926" y="2028825"/>
+            <a:off x="957262" y="1943100"/>
             <a:ext cx="3657601" cy="526634"/>
           </a:xfrm>
           <a:prstGeom prst="rect">
